--- a/midterm-report/期中展示.pptx
+++ b/midterm-report/期中展示.pptx
@@ -7533,7 +7533,7 @@
           <p:nvPr>
             <p:extLst>
               <p:ext uri="{D42A27DB-BD31-4B8C-83A1-F6EECF244321}">
-                <p14:modId xmlns:p14="http://schemas.microsoft.com/office/powerpoint/2010/main" val="2629950361"/>
+                <p14:modId xmlns:p14="http://schemas.microsoft.com/office/powerpoint/2010/main" val="1762684417"/>
               </p:ext>
             </p:extLst>
           </p:nvPr>
@@ -8282,10 +8282,10 @@
                     <a:p>
                       <a:pPr algn="ctr"/>
                       <a:r>
-                        <a:rPr lang="en-US" altLang="zh-CN" dirty="0"/>
+                        <a:rPr lang="en-US" altLang="zh-CN" i="1" dirty="0"/>
                         <a:t>5 Days</a:t>
                       </a:r>
-                      <a:endParaRPr lang="zh-CN" altLang="en-US" dirty="0"/>
+                      <a:endParaRPr lang="zh-CN" altLang="en-US" i="1" dirty="0"/>
                     </a:p>
                   </a:txBody>
                   <a:tcPr anchor="ctr"/>
@@ -8358,10 +8358,10 @@
                     <a:p>
                       <a:pPr algn="ctr"/>
                       <a:r>
-                        <a:rPr lang="en-US" altLang="zh-CN" dirty="0"/>
+                        <a:rPr lang="en-US" altLang="zh-CN" i="1" dirty="0"/>
                         <a:t>7 Days</a:t>
                       </a:r>
-                      <a:endParaRPr lang="zh-CN" altLang="en-US" dirty="0"/>
+                      <a:endParaRPr lang="zh-CN" altLang="en-US" i="1" dirty="0"/>
                     </a:p>
                   </a:txBody>
                   <a:tcPr anchor="ctr"/>
